--- a/project/design.pptx
+++ b/project/design.pptx
@@ -7,6 +7,9 @@
   <p:sldIdLst>
     <p:sldId id="256" r:id="rId2"/>
     <p:sldId id="257" r:id="rId3"/>
+    <p:sldId id="258" r:id="rId4"/>
+    <p:sldId id="259" r:id="rId5"/>
+    <p:sldId id="260" r:id="rId6"/>
   </p:sldIdLst>
   <p:sldSz cx="12192000" cy="6858000"/>
   <p:notesSz cx="6858000" cy="9144000"/>
@@ -3072,7 +3075,9 @@
         </p:nvSpPr>
         <p:spPr/>
         <p:txBody>
-          <a:bodyPr/>
+          <a:bodyPr>
+            <a:normAutofit fontScale="85000" lnSpcReduction="20000"/>
+          </a:bodyPr>
           <a:lstStyle/>
           <a:p>
             <a:r>
@@ -3081,10 +3086,58 @@
             </a:r>
           </a:p>
           <a:p>
+            <a:endParaRPr lang="en-US" altLang="ko-KR" dirty="0" smtClean="0"/>
+          </a:p>
+          <a:p>
+            <a:r>
+              <a:rPr lang="en-US" altLang="ko-KR" dirty="0" smtClean="0"/>
+              <a:t>Socket programming</a:t>
+            </a:r>
+          </a:p>
+          <a:p>
             <a:endParaRPr lang="en-US" altLang="ko-KR" dirty="0"/>
           </a:p>
           <a:p>
+            <a:r>
+              <a:rPr lang="en-US" altLang="ko-KR" dirty="0" smtClean="0"/>
+              <a:t>Voice and video -&gt; java media framework(JMF)</a:t>
+            </a:r>
+          </a:p>
+          <a:p>
+            <a:endParaRPr lang="en-US" altLang="ko-KR" dirty="0"/>
+          </a:p>
+          <a:p>
+            <a:r>
+              <a:rPr lang="en-US" altLang="ko-KR" dirty="0" smtClean="0"/>
+              <a:t>Voice recognition -&gt; google API</a:t>
+            </a:r>
+          </a:p>
+          <a:p>
+            <a:endParaRPr lang="en-US" altLang="ko-KR" dirty="0"/>
+          </a:p>
+          <a:p>
+            <a:r>
+              <a:rPr lang="en-US" altLang="ko-KR" dirty="0" err="1" smtClean="0"/>
+              <a:t>Hotword</a:t>
+            </a:r>
+            <a:r>
+              <a:rPr lang="en-US" altLang="ko-KR" dirty="0" smtClean="0"/>
+              <a:t> detection -&gt;</a:t>
+            </a:r>
+            <a:r>
+              <a:rPr lang="en-US" altLang="ko-KR" dirty="0" err="1" smtClean="0"/>
+              <a:t>snowboy</a:t>
+            </a:r>
             <a:endParaRPr lang="en-US" altLang="ko-KR" dirty="0" smtClean="0"/>
+          </a:p>
+          <a:p>
+            <a:endParaRPr lang="en-US" altLang="ko-KR" dirty="0"/>
+          </a:p>
+          <a:p>
+            <a:r>
+              <a:rPr lang="en-US" altLang="ko-KR" dirty="0" smtClean="0"/>
+              <a:t>Speech recognition -&gt; google API</a:t>
+            </a:r>
           </a:p>
           <a:p>
             <a:endParaRPr lang="en-US" altLang="ko-KR" dirty="0"/>
@@ -3098,6 +3151,232 @@
     <p:extLst>
       <p:ext uri="{BB962C8B-B14F-4D97-AF65-F5344CB8AC3E}">
         <p14:creationId xmlns:p14="http://schemas.microsoft.com/office/powerpoint/2010/main" val="3241821425"/>
+      </p:ext>
+    </p:extLst>
+  </p:cSld>
+  <p:clrMapOvr>
+    <a:masterClrMapping/>
+  </p:clrMapOvr>
+</p:sld>
+</file>
+
+<file path=ppt/slides/slide3.xml><?xml version="1.0" encoding="utf-8"?>
+<p:sld xmlns:a="http://schemas.openxmlformats.org/drawingml/2006/main" xmlns:r="http://schemas.openxmlformats.org/officeDocument/2006/relationships" xmlns:p="http://schemas.openxmlformats.org/presentationml/2006/main">
+  <p:cSld>
+    <p:spTree>
+      <p:nvGrpSpPr>
+        <p:cNvPr id="1" name=""/>
+        <p:cNvGrpSpPr/>
+        <p:nvPr/>
+      </p:nvGrpSpPr>
+      <p:grpSpPr>
+        <a:xfrm>
+          <a:off x="0" y="0"/>
+          <a:ext cx="0" cy="0"/>
+          <a:chOff x="0" y="0"/>
+          <a:chExt cx="0" cy="0"/>
+        </a:xfrm>
+      </p:grpSpPr>
+      <p:sp>
+        <p:nvSpPr>
+          <p:cNvPr id="2" name="제목 1"/>
+          <p:cNvSpPr>
+            <a:spLocks noGrp="1"/>
+          </p:cNvSpPr>
+          <p:nvPr>
+            <p:ph type="title"/>
+          </p:nvPr>
+        </p:nvSpPr>
+        <p:spPr/>
+        <p:txBody>
+          <a:bodyPr/>
+          <a:lstStyle/>
+          <a:p>
+            <a:r>
+              <a:rPr lang="en-US" altLang="ko-KR" dirty="0" smtClean="0"/>
+              <a:t>Overall structure</a:t>
+            </a:r>
+            <a:endParaRPr lang="ko-KR" altLang="en-US" dirty="0"/>
+          </a:p>
+        </p:txBody>
+      </p:sp>
+      <p:pic>
+        <p:nvPicPr>
+          <p:cNvPr id="11" name="내용 개체 틀 10"/>
+          <p:cNvPicPr>
+            <a:picLocks noGrp="1" noChangeAspect="1"/>
+          </p:cNvPicPr>
+          <p:nvPr>
+            <p:ph idx="1"/>
+          </p:nvPr>
+        </p:nvPicPr>
+        <p:blipFill>
+          <a:blip r:embed="rId2">
+            <a:extLst>
+              <a:ext uri="{28A0092B-C50C-407E-A947-70E740481C1C}">
+                <a14:useLocalDpi xmlns:a14="http://schemas.microsoft.com/office/drawing/2010/main" val="0"/>
+              </a:ext>
+            </a:extLst>
+          </a:blip>
+          <a:stretch>
+            <a:fillRect/>
+          </a:stretch>
+        </p:blipFill>
+        <p:spPr>
+          <a:xfrm>
+            <a:off x="2224911" y="1690688"/>
+            <a:ext cx="7305950" cy="4351338"/>
+          </a:xfrm>
+        </p:spPr>
+      </p:pic>
+    </p:spTree>
+    <p:extLst>
+      <p:ext uri="{BB962C8B-B14F-4D97-AF65-F5344CB8AC3E}">
+        <p14:creationId xmlns:p14="http://schemas.microsoft.com/office/powerpoint/2010/main" val="1712728453"/>
+      </p:ext>
+    </p:extLst>
+  </p:cSld>
+  <p:clrMapOvr>
+    <a:masterClrMapping/>
+  </p:clrMapOvr>
+</p:sld>
+</file>
+
+<file path=ppt/slides/slide4.xml><?xml version="1.0" encoding="utf-8"?>
+<p:sld xmlns:a="http://schemas.openxmlformats.org/drawingml/2006/main" xmlns:r="http://schemas.openxmlformats.org/officeDocument/2006/relationships" xmlns:p="http://schemas.openxmlformats.org/presentationml/2006/main">
+  <p:cSld>
+    <p:spTree>
+      <p:nvGrpSpPr>
+        <p:cNvPr id="1" name=""/>
+        <p:cNvGrpSpPr/>
+        <p:nvPr/>
+      </p:nvGrpSpPr>
+      <p:grpSpPr>
+        <a:xfrm>
+          <a:off x="0" y="0"/>
+          <a:ext cx="0" cy="0"/>
+          <a:chOff x="0" y="0"/>
+          <a:chExt cx="0" cy="0"/>
+        </a:xfrm>
+      </p:grpSpPr>
+      <p:sp>
+        <p:nvSpPr>
+          <p:cNvPr id="2" name="제목 1"/>
+          <p:cNvSpPr>
+            <a:spLocks noGrp="1"/>
+          </p:cNvSpPr>
+          <p:nvPr>
+            <p:ph type="title"/>
+          </p:nvPr>
+        </p:nvSpPr>
+        <p:spPr/>
+        <p:txBody>
+          <a:bodyPr/>
+          <a:lstStyle/>
+          <a:p>
+            <a:r>
+              <a:rPr lang="en-US" altLang="ko-KR" dirty="0" smtClean="0"/>
+              <a:t>Server</a:t>
+            </a:r>
+            <a:endParaRPr lang="ko-KR" altLang="en-US" dirty="0"/>
+          </a:p>
+        </p:txBody>
+      </p:sp>
+      <p:sp>
+        <p:nvSpPr>
+          <p:cNvPr id="3" name="내용 개체 틀 2"/>
+          <p:cNvSpPr>
+            <a:spLocks noGrp="1"/>
+          </p:cNvSpPr>
+          <p:nvPr>
+            <p:ph idx="1"/>
+          </p:nvPr>
+        </p:nvSpPr>
+        <p:spPr/>
+        <p:txBody>
+          <a:bodyPr/>
+          <a:lstStyle/>
+          <a:p>
+            <a:endParaRPr lang="ko-KR" altLang="en-US"/>
+          </a:p>
+        </p:txBody>
+      </p:sp>
+    </p:spTree>
+    <p:extLst>
+      <p:ext uri="{BB962C8B-B14F-4D97-AF65-F5344CB8AC3E}">
+        <p14:creationId xmlns:p14="http://schemas.microsoft.com/office/powerpoint/2010/main" val="4121739603"/>
+      </p:ext>
+    </p:extLst>
+  </p:cSld>
+  <p:clrMapOvr>
+    <a:masterClrMapping/>
+  </p:clrMapOvr>
+</p:sld>
+</file>
+
+<file path=ppt/slides/slide5.xml><?xml version="1.0" encoding="utf-8"?>
+<p:sld xmlns:a="http://schemas.openxmlformats.org/drawingml/2006/main" xmlns:r="http://schemas.openxmlformats.org/officeDocument/2006/relationships" xmlns:p="http://schemas.openxmlformats.org/presentationml/2006/main">
+  <p:cSld>
+    <p:spTree>
+      <p:nvGrpSpPr>
+        <p:cNvPr id="1" name=""/>
+        <p:cNvGrpSpPr/>
+        <p:nvPr/>
+      </p:nvGrpSpPr>
+      <p:grpSpPr>
+        <a:xfrm>
+          <a:off x="0" y="0"/>
+          <a:ext cx="0" cy="0"/>
+          <a:chOff x="0" y="0"/>
+          <a:chExt cx="0" cy="0"/>
+        </a:xfrm>
+      </p:grpSpPr>
+      <p:sp>
+        <p:nvSpPr>
+          <p:cNvPr id="2" name="제목 1"/>
+          <p:cNvSpPr>
+            <a:spLocks noGrp="1"/>
+          </p:cNvSpPr>
+          <p:nvPr>
+            <p:ph type="title"/>
+          </p:nvPr>
+        </p:nvSpPr>
+        <p:spPr/>
+        <p:txBody>
+          <a:bodyPr/>
+          <a:lstStyle/>
+          <a:p>
+            <a:r>
+              <a:rPr lang="en-US" altLang="ko-KR" dirty="0" smtClean="0"/>
+              <a:t>Client</a:t>
+            </a:r>
+            <a:endParaRPr lang="ko-KR" altLang="en-US" dirty="0"/>
+          </a:p>
+        </p:txBody>
+      </p:sp>
+      <p:sp>
+        <p:nvSpPr>
+          <p:cNvPr id="3" name="내용 개체 틀 2"/>
+          <p:cNvSpPr>
+            <a:spLocks noGrp="1"/>
+          </p:cNvSpPr>
+          <p:nvPr>
+            <p:ph idx="1"/>
+          </p:nvPr>
+        </p:nvSpPr>
+        <p:spPr/>
+        <p:txBody>
+          <a:bodyPr/>
+          <a:lstStyle/>
+          <a:p>
+            <a:endParaRPr lang="ko-KR" altLang="en-US"/>
+          </a:p>
+        </p:txBody>
+      </p:sp>
+    </p:spTree>
+    <p:extLst>
+      <p:ext uri="{BB962C8B-B14F-4D97-AF65-F5344CB8AC3E}">
+        <p14:creationId xmlns:p14="http://schemas.microsoft.com/office/powerpoint/2010/main" val="995959850"/>
       </p:ext>
     </p:extLst>
   </p:cSld>

--- a/project/design.pptx
+++ b/project/design.pptx
@@ -3282,25 +3282,35 @@
           </a:p>
         </p:txBody>
       </p:sp>
-      <p:sp>
-        <p:nvSpPr>
-          <p:cNvPr id="3" name="내용 개체 틀 2"/>
-          <p:cNvSpPr>
-            <a:spLocks noGrp="1"/>
-          </p:cNvSpPr>
+      <p:pic>
+        <p:nvPicPr>
+          <p:cNvPr id="4" name="내용 개체 틀 3"/>
+          <p:cNvPicPr>
+            <a:picLocks noGrp="1" noChangeAspect="1"/>
+          </p:cNvPicPr>
           <p:nvPr>
             <p:ph idx="1"/>
           </p:nvPr>
-        </p:nvSpPr>
-        <p:spPr/>
-        <p:txBody>
-          <a:bodyPr/>
-          <a:lstStyle/>
-          <a:p>
-            <a:endParaRPr lang="ko-KR" altLang="en-US"/>
-          </a:p>
-        </p:txBody>
-      </p:sp>
+        </p:nvPicPr>
+        <p:blipFill>
+          <a:blip r:embed="rId2">
+            <a:extLst>
+              <a:ext uri="{28A0092B-C50C-407E-A947-70E740481C1C}">
+                <a14:useLocalDpi xmlns:a14="http://schemas.microsoft.com/office/drawing/2010/main" val="0"/>
+              </a:ext>
+            </a:extLst>
+          </a:blip>
+          <a:stretch>
+            <a:fillRect/>
+          </a:stretch>
+        </p:blipFill>
+        <p:spPr>
+          <a:xfrm>
+            <a:off x="2768367" y="2223025"/>
+            <a:ext cx="6245385" cy="3298379"/>
+          </a:xfrm>
+        </p:spPr>
+      </p:pic>
     </p:spTree>
     <p:extLst>
       <p:ext uri="{BB962C8B-B14F-4D97-AF65-F5344CB8AC3E}">

--- a/project/design.pptx
+++ b/project/design.pptx
@@ -10,6 +10,7 @@
     <p:sldId id="258" r:id="rId4"/>
     <p:sldId id="259" r:id="rId5"/>
     <p:sldId id="260" r:id="rId6"/>
+    <p:sldId id="261" r:id="rId7"/>
   </p:sldIdLst>
   <p:sldSz cx="12192000" cy="6858000"/>
   <p:notesSz cx="6858000" cy="9144000"/>
@@ -3364,29 +3365,107 @@
           </a:p>
         </p:txBody>
       </p:sp>
-      <p:sp>
-        <p:nvSpPr>
-          <p:cNvPr id="3" name="내용 개체 틀 2"/>
-          <p:cNvSpPr>
-            <a:spLocks noGrp="1"/>
-          </p:cNvSpPr>
+      <p:pic>
+        <p:nvPicPr>
+          <p:cNvPr id="4" name="내용 개체 틀 3"/>
+          <p:cNvPicPr>
+            <a:picLocks noGrp="1" noChangeAspect="1"/>
+          </p:cNvPicPr>
           <p:nvPr>
             <p:ph idx="1"/>
           </p:nvPr>
-        </p:nvSpPr>
-        <p:spPr/>
-        <p:txBody>
-          <a:bodyPr/>
-          <a:lstStyle/>
-          <a:p>
-            <a:endParaRPr lang="ko-KR" altLang="en-US"/>
-          </a:p>
-        </p:txBody>
-      </p:sp>
+        </p:nvPicPr>
+        <p:blipFill>
+          <a:blip r:embed="rId2">
+            <a:extLst>
+              <a:ext uri="{28A0092B-C50C-407E-A947-70E740481C1C}">
+                <a14:useLocalDpi xmlns:a14="http://schemas.microsoft.com/office/drawing/2010/main" val="0"/>
+              </a:ext>
+            </a:extLst>
+          </a:blip>
+          <a:stretch>
+            <a:fillRect/>
+          </a:stretch>
+        </p:blipFill>
+        <p:spPr>
+          <a:xfrm>
+            <a:off x="1479203" y="2046914"/>
+            <a:ext cx="8059079" cy="3771085"/>
+          </a:xfrm>
+        </p:spPr>
+      </p:pic>
     </p:spTree>
     <p:extLst>
       <p:ext uri="{BB962C8B-B14F-4D97-AF65-F5344CB8AC3E}">
         <p14:creationId xmlns:p14="http://schemas.microsoft.com/office/powerpoint/2010/main" val="995959850"/>
+      </p:ext>
+    </p:extLst>
+  </p:cSld>
+  <p:clrMapOvr>
+    <a:masterClrMapping/>
+  </p:clrMapOvr>
+</p:sld>
+</file>
+
+<file path=ppt/slides/slide6.xml><?xml version="1.0" encoding="utf-8"?>
+<p:sld xmlns:a="http://schemas.openxmlformats.org/drawingml/2006/main" xmlns:r="http://schemas.openxmlformats.org/officeDocument/2006/relationships" xmlns:p="http://schemas.openxmlformats.org/presentationml/2006/main">
+  <p:cSld>
+    <p:spTree>
+      <p:nvGrpSpPr>
+        <p:cNvPr id="1" name=""/>
+        <p:cNvGrpSpPr/>
+        <p:nvPr/>
+      </p:nvGrpSpPr>
+      <p:grpSpPr>
+        <a:xfrm>
+          <a:off x="0" y="0"/>
+          <a:ext cx="0" cy="0"/>
+          <a:chOff x="0" y="0"/>
+          <a:chExt cx="0" cy="0"/>
+        </a:xfrm>
+      </p:grpSpPr>
+      <p:sp>
+        <p:nvSpPr>
+          <p:cNvPr id="2" name="제목 1"/>
+          <p:cNvSpPr>
+            <a:spLocks noGrp="1"/>
+          </p:cNvSpPr>
+          <p:nvPr>
+            <p:ph type="title"/>
+          </p:nvPr>
+        </p:nvSpPr>
+        <p:spPr/>
+        <p:txBody>
+          <a:bodyPr/>
+          <a:lstStyle/>
+          <a:p>
+            <a:endParaRPr lang="ko-KR" altLang="en-US"/>
+          </a:p>
+        </p:txBody>
+      </p:sp>
+      <p:sp>
+        <p:nvSpPr>
+          <p:cNvPr id="3" name="내용 개체 틀 2"/>
+          <p:cNvSpPr>
+            <a:spLocks noGrp="1"/>
+          </p:cNvSpPr>
+          <p:nvPr>
+            <p:ph idx="1"/>
+          </p:nvPr>
+        </p:nvSpPr>
+        <p:spPr/>
+        <p:txBody>
+          <a:bodyPr/>
+          <a:lstStyle/>
+          <a:p>
+            <a:endParaRPr lang="ko-KR" altLang="en-US"/>
+          </a:p>
+        </p:txBody>
+      </p:sp>
+    </p:spTree>
+    <p:extLst>
+      <p:ext uri="{BB962C8B-B14F-4D97-AF65-F5344CB8AC3E}">
+        <p14:creationId xmlns:p14="http://schemas.microsoft.com/office/powerpoint/2010/main" val="466348236"/>
       </p:ext>
     </p:extLst>
   </p:cSld>
